--- a/ER Diagram.pptx
+++ b/ER Diagram.pptx
@@ -105,6 +105,11 @@
       </a:defRPr>
     </a:lvl9pPr>
   </p:defaultTextStyle>
+  <p:extLst>
+    <p:ext uri="{EFAFB233-063F-42B5-8137-9DF3F51BA10A}">
+      <p15:sldGuideLst xmlns:p15="http://schemas.microsoft.com/office/powerpoint/2012/main"/>
+    </p:ext>
+  </p:extLst>
 </p:presentation>
 </file>
 
@@ -239,7 +244,7 @@
           <a:p>
             <a:fld id="{733EFAC9-D8AD-41E1-84E0-6C8F71F2BD4A}" type="datetimeFigureOut">
               <a:rPr lang="en-US" smtClean="0"/>
-              <a:t>5/2/2016</a:t>
+              <a:t>5/3/2016</a:t>
             </a:fld>
             <a:endParaRPr lang="en-US"/>
           </a:p>
@@ -409,7 +414,7 @@
           <a:p>
             <a:fld id="{733EFAC9-D8AD-41E1-84E0-6C8F71F2BD4A}" type="datetimeFigureOut">
               <a:rPr lang="en-US" smtClean="0"/>
-              <a:t>5/2/2016</a:t>
+              <a:t>5/3/2016</a:t>
             </a:fld>
             <a:endParaRPr lang="en-US"/>
           </a:p>
@@ -589,7 +594,7 @@
           <a:p>
             <a:fld id="{733EFAC9-D8AD-41E1-84E0-6C8F71F2BD4A}" type="datetimeFigureOut">
               <a:rPr lang="en-US" smtClean="0"/>
-              <a:t>5/2/2016</a:t>
+              <a:t>5/3/2016</a:t>
             </a:fld>
             <a:endParaRPr lang="en-US"/>
           </a:p>
@@ -759,7 +764,7 @@
           <a:p>
             <a:fld id="{733EFAC9-D8AD-41E1-84E0-6C8F71F2BD4A}" type="datetimeFigureOut">
               <a:rPr lang="en-US" smtClean="0"/>
-              <a:t>5/2/2016</a:t>
+              <a:t>5/3/2016</a:t>
             </a:fld>
             <a:endParaRPr lang="en-US"/>
           </a:p>
@@ -1005,7 +1010,7 @@
           <a:p>
             <a:fld id="{733EFAC9-D8AD-41E1-84E0-6C8F71F2BD4A}" type="datetimeFigureOut">
               <a:rPr lang="en-US" smtClean="0"/>
-              <a:t>5/2/2016</a:t>
+              <a:t>5/3/2016</a:t>
             </a:fld>
             <a:endParaRPr lang="en-US"/>
           </a:p>
@@ -1237,7 +1242,7 @@
           <a:p>
             <a:fld id="{733EFAC9-D8AD-41E1-84E0-6C8F71F2BD4A}" type="datetimeFigureOut">
               <a:rPr lang="en-US" smtClean="0"/>
-              <a:t>5/2/2016</a:t>
+              <a:t>5/3/2016</a:t>
             </a:fld>
             <a:endParaRPr lang="en-US"/>
           </a:p>
@@ -1604,7 +1609,7 @@
           <a:p>
             <a:fld id="{733EFAC9-D8AD-41E1-84E0-6C8F71F2BD4A}" type="datetimeFigureOut">
               <a:rPr lang="en-US" smtClean="0"/>
-              <a:t>5/2/2016</a:t>
+              <a:t>5/3/2016</a:t>
             </a:fld>
             <a:endParaRPr lang="en-US"/>
           </a:p>
@@ -1722,7 +1727,7 @@
           <a:p>
             <a:fld id="{733EFAC9-D8AD-41E1-84E0-6C8F71F2BD4A}" type="datetimeFigureOut">
               <a:rPr lang="en-US" smtClean="0"/>
-              <a:t>5/2/2016</a:t>
+              <a:t>5/3/2016</a:t>
             </a:fld>
             <a:endParaRPr lang="en-US"/>
           </a:p>
@@ -1817,7 +1822,7 @@
           <a:p>
             <a:fld id="{733EFAC9-D8AD-41E1-84E0-6C8F71F2BD4A}" type="datetimeFigureOut">
               <a:rPr lang="en-US" smtClean="0"/>
-              <a:t>5/2/2016</a:t>
+              <a:t>5/3/2016</a:t>
             </a:fld>
             <a:endParaRPr lang="en-US"/>
           </a:p>
@@ -2094,7 +2099,7 @@
           <a:p>
             <a:fld id="{733EFAC9-D8AD-41E1-84E0-6C8F71F2BD4A}" type="datetimeFigureOut">
               <a:rPr lang="en-US" smtClean="0"/>
-              <a:t>5/2/2016</a:t>
+              <a:t>5/3/2016</a:t>
             </a:fld>
             <a:endParaRPr lang="en-US"/>
           </a:p>
@@ -2347,7 +2352,7 @@
           <a:p>
             <a:fld id="{733EFAC9-D8AD-41E1-84E0-6C8F71F2BD4A}" type="datetimeFigureOut">
               <a:rPr lang="en-US" smtClean="0"/>
-              <a:t>5/2/2016</a:t>
+              <a:t>5/3/2016</a:t>
             </a:fld>
             <a:endParaRPr lang="en-US"/>
           </a:p>
@@ -2560,7 +2565,7 @@
           <a:p>
             <a:fld id="{733EFAC9-D8AD-41E1-84E0-6C8F71F2BD4A}" type="datetimeFigureOut">
               <a:rPr lang="en-US" smtClean="0"/>
-              <a:t>5/2/2016</a:t>
+              <a:t>5/3/2016</a:t>
             </a:fld>
             <a:endParaRPr lang="en-US"/>
           </a:p>
@@ -2973,7 +2978,7 @@
         </p:nvSpPr>
         <p:spPr>
           <a:xfrm>
-            <a:off x="4865975" y="1445059"/>
+            <a:off x="4840337" y="1445059"/>
             <a:ext cx="2040403" cy="1367070"/>
           </a:xfrm>
           <a:prstGeom prst="flowChartDecision">
@@ -3083,7 +3088,7 @@
         </p:nvSpPr>
         <p:spPr>
           <a:xfrm>
-            <a:off x="8303664" y="3909702"/>
+            <a:off x="8303664" y="4627549"/>
             <a:ext cx="2409914" cy="1025495"/>
           </a:xfrm>
           <a:prstGeom prst="rect">
@@ -3193,7 +3198,7 @@
         </p:nvSpPr>
         <p:spPr>
           <a:xfrm>
-            <a:off x="1153682" y="3909702"/>
+            <a:off x="1153682" y="4627549"/>
             <a:ext cx="2409914" cy="1025495"/>
           </a:xfrm>
           <a:prstGeom prst="rect">
@@ -3868,7 +3873,7 @@
         <p:spPr>
           <a:xfrm>
             <a:off x="4931203" y="1015771"/>
-            <a:ext cx="954974" cy="429288"/>
+            <a:ext cx="929336" cy="429288"/>
           </a:xfrm>
           <a:prstGeom prst="line">
             <a:avLst/>
@@ -3901,7 +3906,7 @@
         <p:spPr>
           <a:xfrm>
             <a:off x="5851174" y="1040992"/>
-            <a:ext cx="35003" cy="404067"/>
+            <a:ext cx="9365" cy="404067"/>
           </a:xfrm>
           <a:prstGeom prst="line">
             <a:avLst/>
@@ -3933,8 +3938,8 @@
         </p:nvCxnSpPr>
         <p:spPr>
           <a:xfrm flipH="1">
-            <a:off x="5886177" y="1019312"/>
-            <a:ext cx="949932" cy="425747"/>
+            <a:off x="5860539" y="1019312"/>
+            <a:ext cx="975570" cy="425747"/>
           </a:xfrm>
           <a:prstGeom prst="line">
             <a:avLst/>
@@ -4125,13 +4130,14 @@
           <p:cNvPr id="49" name="Straight Connector 48"/>
           <p:cNvCxnSpPr>
             <a:stCxn id="9" idx="2"/>
+            <a:endCxn id="52" idx="0"/>
           </p:cNvCxnSpPr>
           <p:nvPr/>
         </p:nvCxnSpPr>
         <p:spPr>
           <a:xfrm flipH="1">
-            <a:off x="1773471" y="4935197"/>
-            <a:ext cx="585168" cy="524142"/>
+            <a:off x="1648317" y="5653044"/>
+            <a:ext cx="710322" cy="353359"/>
           </a:xfrm>
           <a:prstGeom prst="line">
             <a:avLst/>
@@ -4163,8 +4169,8 @@
         </p:nvCxnSpPr>
         <p:spPr>
           <a:xfrm>
-            <a:off x="2358639" y="4935197"/>
-            <a:ext cx="854681" cy="498730"/>
+            <a:off x="2358639" y="5653044"/>
+            <a:ext cx="880518" cy="285214"/>
           </a:xfrm>
           <a:prstGeom prst="line">
             <a:avLst/>
@@ -4193,7 +4199,7 @@
         </p:nvSpPr>
         <p:spPr>
           <a:xfrm>
-            <a:off x="871671" y="5459339"/>
+            <a:off x="879195" y="6006403"/>
             <a:ext cx="1538243" cy="555476"/>
           </a:xfrm>
           <a:prstGeom prst="ellipse">
@@ -4248,7 +4254,7 @@
         </p:nvSpPr>
         <p:spPr>
           <a:xfrm>
-            <a:off x="2581033" y="5433927"/>
+            <a:off x="2606870" y="5938258"/>
             <a:ext cx="1264574" cy="555474"/>
           </a:xfrm>
           <a:prstGeom prst="ellipse">
@@ -4306,8 +4312,8 @@
         </p:nvCxnSpPr>
         <p:spPr>
           <a:xfrm flipH="1">
-            <a:off x="8485866" y="4935197"/>
-            <a:ext cx="1022755" cy="640935"/>
+            <a:off x="8377635" y="5653044"/>
+            <a:ext cx="1130986" cy="285212"/>
           </a:xfrm>
           <a:prstGeom prst="line">
             <a:avLst/>
@@ -4339,8 +4345,8 @@
         </p:nvCxnSpPr>
         <p:spPr>
           <a:xfrm>
-            <a:off x="9508621" y="4935197"/>
-            <a:ext cx="27742" cy="628828"/>
+            <a:off x="9508621" y="5653044"/>
+            <a:ext cx="0" cy="303014"/>
           </a:xfrm>
           <a:prstGeom prst="line">
             <a:avLst/>
@@ -4372,8 +4378,8 @@
         </p:nvCxnSpPr>
         <p:spPr>
           <a:xfrm>
-            <a:off x="9508621" y="4935197"/>
-            <a:ext cx="1147652" cy="640935"/>
+            <a:off x="9508621" y="5653044"/>
+            <a:ext cx="1156791" cy="303014"/>
           </a:xfrm>
           <a:prstGeom prst="line">
             <a:avLst/>
@@ -4402,7 +4408,7 @@
         </p:nvSpPr>
         <p:spPr>
           <a:xfrm>
-            <a:off x="8052741" y="5576132"/>
+            <a:off x="7944510" y="5938256"/>
             <a:ext cx="866250" cy="555476"/>
           </a:xfrm>
           <a:prstGeom prst="ellipse">
@@ -4457,7 +4463,7 @@
         </p:nvSpPr>
         <p:spPr>
           <a:xfrm>
-            <a:off x="9077432" y="5564025"/>
+            <a:off x="9049690" y="5956058"/>
             <a:ext cx="917861" cy="555474"/>
           </a:xfrm>
           <a:prstGeom prst="ellipse">
@@ -4512,7 +4518,7 @@
         </p:nvSpPr>
         <p:spPr>
           <a:xfrm>
-            <a:off x="10301335" y="5576132"/>
+            <a:off x="10310474" y="5956058"/>
             <a:ext cx="709876" cy="557838"/>
           </a:xfrm>
           <a:prstGeom prst="ellipse">
@@ -4559,39 +4565,6 @@
           </a:p>
         </p:txBody>
       </p:sp>
-      <p:cxnSp>
-        <p:nvCxnSpPr>
-          <p:cNvPr id="133" name="Straight Connector 132"/>
-          <p:cNvCxnSpPr>
-            <a:stCxn id="6" idx="2"/>
-            <a:endCxn id="9" idx="0"/>
-          </p:cNvCxnSpPr>
-          <p:nvPr/>
-        </p:nvCxnSpPr>
-        <p:spPr>
-          <a:xfrm>
-            <a:off x="2358639" y="2649067"/>
-            <a:ext cx="0" cy="1260635"/>
-          </a:xfrm>
-          <a:prstGeom prst="line">
-            <a:avLst/>
-          </a:prstGeom>
-        </p:spPr>
-        <p:style>
-          <a:lnRef idx="1">
-            <a:schemeClr val="accent1"/>
-          </a:lnRef>
-          <a:fillRef idx="0">
-            <a:schemeClr val="accent1"/>
-          </a:fillRef>
-          <a:effectRef idx="0">
-            <a:schemeClr val="accent1"/>
-          </a:effectRef>
-          <a:fontRef idx="minor">
-            <a:schemeClr val="tx1"/>
-          </a:fontRef>
-        </p:style>
-      </p:cxnSp>
       <p:cxnSp>
         <p:nvCxnSpPr>
           <p:cNvPr id="135" name="Straight Connector 134"/>
@@ -4604,7 +4577,7 @@
         <p:spPr>
           <a:xfrm flipH="1">
             <a:off x="3563596" y="2128594"/>
-            <a:ext cx="1302379" cy="7726"/>
+            <a:ext cx="1276741" cy="7726"/>
           </a:xfrm>
           <a:prstGeom prst="line">
             <a:avLst/>
@@ -4636,8 +4609,118 @@
         </p:nvCxnSpPr>
         <p:spPr>
           <a:xfrm>
-            <a:off x="6906378" y="2128594"/>
-            <a:ext cx="1397286" cy="7725"/>
+            <a:off x="6880740" y="2128594"/>
+            <a:ext cx="1422924" cy="7725"/>
+          </a:xfrm>
+          <a:prstGeom prst="line">
+            <a:avLst/>
+          </a:prstGeom>
+        </p:spPr>
+        <p:style>
+          <a:lnRef idx="1">
+            <a:schemeClr val="accent1"/>
+          </a:lnRef>
+          <a:fillRef idx="0">
+            <a:schemeClr val="accent1"/>
+          </a:fillRef>
+          <a:effectRef idx="0">
+            <a:schemeClr val="accent1"/>
+          </a:effectRef>
+          <a:fontRef idx="minor">
+            <a:schemeClr val="tx1"/>
+          </a:fontRef>
+        </p:style>
+      </p:cxnSp>
+      <p:sp>
+        <p:nvSpPr>
+          <p:cNvPr id="46" name="Flowchart: Decision 45"/>
+          <p:cNvSpPr/>
+          <p:nvPr/>
+        </p:nvSpPr>
+        <p:spPr>
+          <a:xfrm>
+            <a:off x="1153682" y="3002427"/>
+            <a:ext cx="2409914" cy="1271764"/>
+          </a:xfrm>
+          <a:prstGeom prst="flowChartDecision">
+            <a:avLst/>
+          </a:prstGeom>
+          <a:solidFill>
+            <a:schemeClr val="accent4"/>
+          </a:solidFill>
+        </p:spPr>
+        <p:style>
+          <a:lnRef idx="2">
+            <a:schemeClr val="accent1">
+              <a:shade val="50000"/>
+            </a:schemeClr>
+          </a:lnRef>
+          <a:fillRef idx="1">
+            <a:schemeClr val="accent1"/>
+          </a:fillRef>
+          <a:effectRef idx="0">
+            <a:schemeClr val="accent1"/>
+          </a:effectRef>
+          <a:fontRef idx="minor">
+            <a:schemeClr val="lt1"/>
+          </a:fontRef>
+        </p:style>
+        <p:txBody>
+          <a:bodyPr rtlCol="0" anchor="ctr"/>
+          <a:lstStyle/>
+          <a:p>
+            <a:pPr algn="ctr"/>
+            <a:r>
+              <a:rPr lang="en-US" dirty="0" smtClean="0">
+                <a:solidFill>
+                  <a:schemeClr val="tx1"/>
+                </a:solidFill>
+              </a:rPr>
+              <a:t>owns</a:t>
+            </a:r>
+          </a:p>
+          <a:p>
+            <a:pPr algn="ctr"/>
+            <a:r>
+              <a:rPr lang="en-US" sz="1100" dirty="0" smtClean="0">
+                <a:solidFill>
+                  <a:schemeClr val="tx1"/>
+                </a:solidFill>
+              </a:rPr>
+              <a:t>(</a:t>
+            </a:r>
+            <a:r>
+              <a:rPr lang="en-US" sz="1100" dirty="0" err="1" smtClean="0">
+                <a:solidFill>
+                  <a:schemeClr val="tx1"/>
+                </a:solidFill>
+              </a:rPr>
+              <a:t>category_name</a:t>
+            </a:r>
+            <a:r>
+              <a:rPr lang="en-US" sz="1100" dirty="0" smtClean="0">
+                <a:solidFill>
+                  <a:schemeClr val="tx1"/>
+                </a:solidFill>
+              </a:rPr>
+              <a:t>)</a:t>
+            </a:r>
+          </a:p>
+        </p:txBody>
+      </p:sp>
+      <p:cxnSp>
+        <p:nvCxnSpPr>
+          <p:cNvPr id="56" name="Straight Connector 55"/>
+          <p:cNvCxnSpPr>
+            <a:stCxn id="6" idx="2"/>
+            <a:endCxn id="46" idx="0"/>
+          </p:cNvCxnSpPr>
+          <p:nvPr/>
+        </p:nvCxnSpPr>
+        <p:spPr>
+          <a:xfrm>
+            <a:off x="2358639" y="2649067"/>
+            <a:ext cx="0" cy="353360"/>
           </a:xfrm>
           <a:prstGeom prst="line">
             <a:avLst/>
@@ -4660,21 +4743,175 @@
       </p:cxnSp>
       <p:cxnSp>
         <p:nvCxnSpPr>
-          <p:cNvPr id="139" name="Straight Connector 138"/>
+          <p:cNvPr id="47" name="Straight Arrow Connector 46"/>
+          <p:cNvCxnSpPr>
+            <a:stCxn id="46" idx="2"/>
+            <a:endCxn id="9" idx="0"/>
+          </p:cNvCxnSpPr>
+          <p:nvPr/>
+        </p:nvCxnSpPr>
+        <p:spPr>
+          <a:xfrm>
+            <a:off x="2358639" y="4274191"/>
+            <a:ext cx="0" cy="353358"/>
+          </a:xfrm>
+          <a:prstGeom prst="straightConnector1">
+            <a:avLst/>
+          </a:prstGeom>
+          <a:ln>
+            <a:tailEnd type="triangle"/>
+          </a:ln>
+        </p:spPr>
+        <p:style>
+          <a:lnRef idx="1">
+            <a:schemeClr val="accent1"/>
+          </a:lnRef>
+          <a:fillRef idx="0">
+            <a:schemeClr val="accent1"/>
+          </a:fillRef>
+          <a:effectRef idx="0">
+            <a:schemeClr val="accent1"/>
+          </a:effectRef>
+          <a:fontRef idx="minor">
+            <a:schemeClr val="tx1"/>
+          </a:fontRef>
+        </p:style>
+      </p:cxnSp>
+      <p:sp>
+        <p:nvSpPr>
+          <p:cNvPr id="70" name="Flowchart: Decision 69"/>
+          <p:cNvSpPr/>
+          <p:nvPr/>
+        </p:nvSpPr>
+        <p:spPr>
+          <a:xfrm>
+            <a:off x="8303664" y="2999508"/>
+            <a:ext cx="2409913" cy="1274683"/>
+          </a:xfrm>
+          <a:prstGeom prst="flowChartDecision">
+            <a:avLst/>
+          </a:prstGeom>
+          <a:solidFill>
+            <a:schemeClr val="accent4"/>
+          </a:solidFill>
+        </p:spPr>
+        <p:style>
+          <a:lnRef idx="2">
+            <a:schemeClr val="accent1">
+              <a:shade val="50000"/>
+            </a:schemeClr>
+          </a:lnRef>
+          <a:fillRef idx="1">
+            <a:schemeClr val="accent1"/>
+          </a:fillRef>
+          <a:effectRef idx="0">
+            <a:schemeClr val="accent1"/>
+          </a:effectRef>
+          <a:fontRef idx="minor">
+            <a:schemeClr val="lt1"/>
+          </a:fontRef>
+        </p:style>
+        <p:txBody>
+          <a:bodyPr rtlCol="0" anchor="ctr"/>
+          <a:lstStyle/>
+          <a:p>
+            <a:pPr algn="ctr"/>
+            <a:r>
+              <a:rPr lang="en-US" dirty="0" smtClean="0">
+                <a:solidFill>
+                  <a:schemeClr val="tx1"/>
+                </a:solidFill>
+              </a:rPr>
+              <a:t>owns</a:t>
+            </a:r>
+          </a:p>
+          <a:p>
+            <a:pPr algn="ctr"/>
+            <a:r>
+              <a:rPr lang="en-US" sz="1100" dirty="0">
+                <a:solidFill>
+                  <a:schemeClr val="tx1"/>
+                </a:solidFill>
+              </a:rPr>
+              <a:t>(</a:t>
+            </a:r>
+            <a:r>
+              <a:rPr lang="en-US" sz="1100" dirty="0" err="1" smtClean="0">
+                <a:solidFill>
+                  <a:schemeClr val="tx1"/>
+                </a:solidFill>
+              </a:rPr>
+              <a:t>user_id</a:t>
+            </a:r>
+            <a:r>
+              <a:rPr lang="en-US" sz="1100" dirty="0" smtClean="0">
+                <a:solidFill>
+                  <a:schemeClr val="tx1"/>
+                </a:solidFill>
+              </a:rPr>
+              <a:t>)</a:t>
+            </a:r>
+            <a:endParaRPr lang="en-US" sz="1100" dirty="0">
+              <a:solidFill>
+                <a:schemeClr val="tx1"/>
+              </a:solidFill>
+            </a:endParaRPr>
+          </a:p>
+        </p:txBody>
+      </p:sp>
+      <p:cxnSp>
+        <p:nvCxnSpPr>
+          <p:cNvPr id="71" name="Straight Connector 70"/>
           <p:cNvCxnSpPr>
             <a:stCxn id="8" idx="2"/>
+            <a:endCxn id="70" idx="0"/>
+          </p:cNvCxnSpPr>
+          <p:nvPr/>
+        </p:nvCxnSpPr>
+        <p:spPr>
+          <a:xfrm>
+            <a:off x="9508621" y="2649066"/>
+            <a:ext cx="0" cy="350442"/>
+          </a:xfrm>
+          <a:prstGeom prst="line">
+            <a:avLst/>
+          </a:prstGeom>
+        </p:spPr>
+        <p:style>
+          <a:lnRef idx="1">
+            <a:schemeClr val="accent1"/>
+          </a:lnRef>
+          <a:fillRef idx="0">
+            <a:schemeClr val="accent1"/>
+          </a:fillRef>
+          <a:effectRef idx="0">
+            <a:schemeClr val="accent1"/>
+          </a:effectRef>
+          <a:fontRef idx="minor">
+            <a:schemeClr val="tx1"/>
+          </a:fontRef>
+        </p:style>
+      </p:cxnSp>
+      <p:cxnSp>
+        <p:nvCxnSpPr>
+          <p:cNvPr id="72" name="Straight Arrow Connector 71"/>
+          <p:cNvCxnSpPr>
+            <a:stCxn id="70" idx="2"/>
             <a:endCxn id="7" idx="0"/>
           </p:cNvCxnSpPr>
           <p:nvPr/>
         </p:nvCxnSpPr>
         <p:spPr>
           <a:xfrm>
-            <a:off x="9508621" y="2649066"/>
-            <a:ext cx="0" cy="1260636"/>
-          </a:xfrm>
-          <a:prstGeom prst="line">
-            <a:avLst/>
-          </a:prstGeom>
+            <a:off x="9508621" y="4274191"/>
+            <a:ext cx="0" cy="353358"/>
+          </a:xfrm>
+          <a:prstGeom prst="straightConnector1">
+            <a:avLst/>
+          </a:prstGeom>
+          <a:ln>
+            <a:tailEnd type="triangle"/>
+          </a:ln>
         </p:spPr>
         <p:style>
           <a:lnRef idx="1">
@@ -4759,11 +4996,7 @@
             <a:pPr algn="ctr"/>
             <a:r>
               <a:rPr lang="en-US" dirty="0" err="1" smtClean="0"/>
-              <a:t>product_insert</a:t>
-            </a:r>
-            <a:r>
-              <a:rPr lang="en-US" dirty="0" err="1" smtClean="0"/>
-              <a:t>.jsp</a:t>
+              <a:t>product_insert.jsp</a:t>
             </a:r>
             <a:endParaRPr lang="en-US" dirty="0"/>
           </a:p>
@@ -4807,11 +5040,7 @@
             <a:pPr algn="ctr"/>
             <a:r>
               <a:rPr lang="en-US" dirty="0" err="1" smtClean="0"/>
-              <a:t>order_process</a:t>
-            </a:r>
-            <a:r>
-              <a:rPr lang="en-US" dirty="0" err="1" smtClean="0"/>
-              <a:t>.jsp</a:t>
+              <a:t>order_process.jsp</a:t>
             </a:r>
             <a:endParaRPr lang="en-US" dirty="0"/>
           </a:p>
@@ -4855,11 +5084,7 @@
             <a:pPr algn="ctr"/>
             <a:r>
               <a:rPr lang="en-US" dirty="0" err="1" smtClean="0"/>
-              <a:t>confirmation</a:t>
-            </a:r>
-            <a:r>
-              <a:rPr lang="en-US" dirty="0" err="1" smtClean="0"/>
-              <a:t>.jsp</a:t>
+              <a:t>confirmation.jsp</a:t>
             </a:r>
             <a:endParaRPr lang="en-US" dirty="0"/>
           </a:p>
@@ -4903,11 +5128,7 @@
             <a:pPr algn="ctr"/>
             <a:r>
               <a:rPr lang="en-US" dirty="0" err="1" smtClean="0"/>
-              <a:t>product_order</a:t>
-            </a:r>
-            <a:r>
-              <a:rPr lang="en-US" dirty="0" err="1" smtClean="0"/>
-              <a:t>.jsp</a:t>
+              <a:t>product_order.jsp</a:t>
             </a:r>
             <a:endParaRPr lang="en-US" dirty="0"/>
           </a:p>
@@ -4951,11 +5172,7 @@
             <a:pPr algn="ctr"/>
             <a:r>
               <a:rPr lang="en-US" dirty="0" err="1" smtClean="0"/>
-              <a:t>product_browsing</a:t>
-            </a:r>
-            <a:r>
-              <a:rPr lang="en-US" dirty="0" err="1" smtClean="0"/>
-              <a:t>.jsp</a:t>
+              <a:t>product_browsing.jsp</a:t>
             </a:r>
             <a:endParaRPr lang="en-US" dirty="0"/>
           </a:p>
@@ -5043,11 +5260,7 @@
             <a:pPr algn="ctr"/>
             <a:r>
               <a:rPr lang="en-US" dirty="0" err="1" smtClean="0"/>
-              <a:t>cateogories</a:t>
-            </a:r>
-            <a:r>
-              <a:rPr lang="en-US" dirty="0" err="1" smtClean="0"/>
-              <a:t>.jsp</a:t>
+              <a:t>cateogories.jsp</a:t>
             </a:r>
             <a:endParaRPr lang="en-US" dirty="0" smtClean="0"/>
           </a:p>
@@ -5091,11 +5304,7 @@
             <a:pPr algn="ctr"/>
             <a:r>
               <a:rPr lang="en-US" dirty="0" err="1" smtClean="0"/>
-              <a:t>ower_home</a:t>
-            </a:r>
-            <a:r>
-              <a:rPr lang="en-US" dirty="0" err="1" smtClean="0"/>
-              <a:t>.jsp</a:t>
+              <a:t>ower_home.jsp</a:t>
             </a:r>
             <a:endParaRPr lang="en-US" dirty="0"/>
           </a:p>
@@ -5139,11 +5348,7 @@
             <a:pPr algn="ctr"/>
             <a:r>
               <a:rPr lang="en-US" dirty="0" err="1" smtClean="0"/>
-              <a:t>sign_up_conform</a:t>
-            </a:r>
-            <a:r>
-              <a:rPr lang="en-US" dirty="0" err="1" smtClean="0"/>
-              <a:t>.jsp</a:t>
+              <a:t>sign_up_conform.jsp</a:t>
             </a:r>
             <a:endParaRPr lang="en-US" dirty="0"/>
           </a:p>
@@ -5231,11 +5436,7 @@
             <a:pPr algn="ctr"/>
             <a:r>
               <a:rPr lang="en-US" dirty="0" err="1" smtClean="0"/>
-              <a:t>log_in</a:t>
-            </a:r>
-            <a:r>
-              <a:rPr lang="en-US" dirty="0" err="1" smtClean="0"/>
-              <a:t>.jsp</a:t>
+              <a:t>log_in.jsp</a:t>
             </a:r>
             <a:endParaRPr lang="en-US" dirty="0"/>
           </a:p>
@@ -5279,11 +5480,7 @@
             <a:pPr algn="ctr"/>
             <a:r>
               <a:rPr lang="en-US" dirty="0" err="1" smtClean="0"/>
-              <a:t>shopping_cart</a:t>
-            </a:r>
-            <a:r>
-              <a:rPr lang="en-US" dirty="0" err="1" smtClean="0"/>
-              <a:t>.jsp</a:t>
+              <a:t>shopping_cart.jsp</a:t>
             </a:r>
             <a:endParaRPr lang="en-US" dirty="0"/>
           </a:p>
